--- a/ppt 16-9/1411.凡事谦虚温柔.pptx
+++ b/ppt 16-9/1411.凡事谦虚温柔.pptx
@@ -5,7 +5,7 @@
     <p:sldMasterId id="2147483648" r:id="rId1"/>
   </p:sldMasterIdLst>
   <p:sldIdLst>
-    <p:sldId id="982" r:id="rId2"/>
+    <p:sldId id="983" r:id="rId2"/>
   </p:sldIdLst>
   <p:sldSz cx="12192000" cy="6858000"/>
   <p:notesSz cx="6858000" cy="9144000"/>
@@ -129,7 +129,7 @@
           <p:cNvPr id="2" name="标题 1">
             <a:extLst>
               <a:ext uri="{FF2B5EF4-FFF2-40B4-BE49-F238E27FC236}">
-                <a16:creationId xmlns:a16="http://schemas.microsoft.com/office/drawing/2014/main" id="{75741C05-4660-90AB-B8CA-68147EF0CC80}"/>
+                <a16:creationId xmlns:a16="http://schemas.microsoft.com/office/drawing/2014/main" id="{71B22625-D572-E7A4-B07E-509A1C29A3F6}"/>
               </a:ext>
             </a:extLst>
           </p:cNvPr>
@@ -166,7 +166,7 @@
           <p:cNvPr id="3" name="副标题 2">
             <a:extLst>
               <a:ext uri="{FF2B5EF4-FFF2-40B4-BE49-F238E27FC236}">
-                <a16:creationId xmlns:a16="http://schemas.microsoft.com/office/drawing/2014/main" id="{E9ADC05E-D64D-FE88-4EBA-33DF23625B21}"/>
+                <a16:creationId xmlns:a16="http://schemas.microsoft.com/office/drawing/2014/main" id="{ADDE1967-99EE-0B4E-F0D1-57FC2F96C6CC}"/>
               </a:ext>
             </a:extLst>
           </p:cNvPr>
@@ -236,7 +236,7 @@
           <p:cNvPr id="4" name="日期占位符 3">
             <a:extLst>
               <a:ext uri="{FF2B5EF4-FFF2-40B4-BE49-F238E27FC236}">
-                <a16:creationId xmlns:a16="http://schemas.microsoft.com/office/drawing/2014/main" id="{88BCC841-045B-9249-A867-500B65DC45A1}"/>
+                <a16:creationId xmlns:a16="http://schemas.microsoft.com/office/drawing/2014/main" id="{8FE27F1B-7A45-64F2-1B47-9689D0D570D6}"/>
               </a:ext>
             </a:extLst>
           </p:cNvPr>
@@ -252,7 +252,7 @@
           <a:bodyPr/>
           <a:lstStyle/>
           <a:p>
-            <a:fld id="{C7B7E649-7F43-44D3-B223-7B92AE667A3B}" type="datetimeFigureOut">
+            <a:fld id="{A486E5AA-1680-4B6B-B42B-9AE5F5561CA9}" type="datetimeFigureOut">
               <a:rPr lang="zh-CN" altLang="en-US" smtClean="0"/>
               <a:t>2024/3/10</a:t>
             </a:fld>
@@ -265,7 +265,7 @@
           <p:cNvPr id="5" name="页脚占位符 4">
             <a:extLst>
               <a:ext uri="{FF2B5EF4-FFF2-40B4-BE49-F238E27FC236}">
-                <a16:creationId xmlns:a16="http://schemas.microsoft.com/office/drawing/2014/main" id="{2FDE5A6A-7052-FB37-3711-2FA257B1C518}"/>
+                <a16:creationId xmlns:a16="http://schemas.microsoft.com/office/drawing/2014/main" id="{23DDAC6E-EBB1-1EFF-F187-8A7F4C2EDD42}"/>
               </a:ext>
             </a:extLst>
           </p:cNvPr>
@@ -290,7 +290,7 @@
           <p:cNvPr id="6" name="灯片编号占位符 5">
             <a:extLst>
               <a:ext uri="{FF2B5EF4-FFF2-40B4-BE49-F238E27FC236}">
-                <a16:creationId xmlns:a16="http://schemas.microsoft.com/office/drawing/2014/main" id="{54205A30-69A4-45A7-2487-F91A1A5FE09A}"/>
+                <a16:creationId xmlns:a16="http://schemas.microsoft.com/office/drawing/2014/main" id="{50F17962-33D8-13D2-368F-35E19535395F}"/>
               </a:ext>
             </a:extLst>
           </p:cNvPr>
@@ -306,7 +306,7 @@
           <a:bodyPr/>
           <a:lstStyle/>
           <a:p>
-            <a:fld id="{0D59830A-066F-46C7-9A96-EB2BFC825B2D}" type="slidenum">
+            <a:fld id="{0BE4DC21-3C06-48ED-A111-5C0E0C77132B}" type="slidenum">
               <a:rPr lang="zh-CN" altLang="en-US" smtClean="0"/>
               <a:t>‹#›</a:t>
             </a:fld>
@@ -317,7 +317,7 @@
     </p:spTree>
     <p:extLst>
       <p:ext uri="{BB962C8B-B14F-4D97-AF65-F5344CB8AC3E}">
-        <p14:creationId xmlns:p14="http://schemas.microsoft.com/office/powerpoint/2010/main" val="2774759796"/>
+        <p14:creationId xmlns:p14="http://schemas.microsoft.com/office/powerpoint/2010/main" val="4124247887"/>
       </p:ext>
     </p:extLst>
   </p:cSld>
@@ -349,7 +349,7 @@
           <p:cNvPr id="2" name="标题 1">
             <a:extLst>
               <a:ext uri="{FF2B5EF4-FFF2-40B4-BE49-F238E27FC236}">
-                <a16:creationId xmlns:a16="http://schemas.microsoft.com/office/drawing/2014/main" id="{3C90766A-A74F-837F-1D53-383A439E8399}"/>
+                <a16:creationId xmlns:a16="http://schemas.microsoft.com/office/drawing/2014/main" id="{1621413D-3855-DE7E-F15A-32C82E13EB78}"/>
               </a:ext>
             </a:extLst>
           </p:cNvPr>
@@ -377,7 +377,7 @@
           <p:cNvPr id="3" name="竖排文字占位符 2">
             <a:extLst>
               <a:ext uri="{FF2B5EF4-FFF2-40B4-BE49-F238E27FC236}">
-                <a16:creationId xmlns:a16="http://schemas.microsoft.com/office/drawing/2014/main" id="{B74545BA-9C56-B719-589E-4BBEA9980798}"/>
+                <a16:creationId xmlns:a16="http://schemas.microsoft.com/office/drawing/2014/main" id="{230C3A88-1FE9-AFE8-AD60-89BB0A34AA9F}"/>
               </a:ext>
             </a:extLst>
           </p:cNvPr>
@@ -434,7 +434,7 @@
           <p:cNvPr id="4" name="日期占位符 3">
             <a:extLst>
               <a:ext uri="{FF2B5EF4-FFF2-40B4-BE49-F238E27FC236}">
-                <a16:creationId xmlns:a16="http://schemas.microsoft.com/office/drawing/2014/main" id="{BDBE9D12-4A54-D2FB-E033-737AC9C099FC}"/>
+                <a16:creationId xmlns:a16="http://schemas.microsoft.com/office/drawing/2014/main" id="{83F71496-5D41-B7F3-1CB0-4F1352F78A07}"/>
               </a:ext>
             </a:extLst>
           </p:cNvPr>
@@ -450,7 +450,7 @@
           <a:bodyPr/>
           <a:lstStyle/>
           <a:p>
-            <a:fld id="{C7B7E649-7F43-44D3-B223-7B92AE667A3B}" type="datetimeFigureOut">
+            <a:fld id="{A486E5AA-1680-4B6B-B42B-9AE5F5561CA9}" type="datetimeFigureOut">
               <a:rPr lang="zh-CN" altLang="en-US" smtClean="0"/>
               <a:t>2024/3/10</a:t>
             </a:fld>
@@ -463,7 +463,7 @@
           <p:cNvPr id="5" name="页脚占位符 4">
             <a:extLst>
               <a:ext uri="{FF2B5EF4-FFF2-40B4-BE49-F238E27FC236}">
-                <a16:creationId xmlns:a16="http://schemas.microsoft.com/office/drawing/2014/main" id="{26371EEE-1199-80C4-6359-A6AA3F2115AB}"/>
+                <a16:creationId xmlns:a16="http://schemas.microsoft.com/office/drawing/2014/main" id="{02DFF7D2-6B79-491F-F380-DE522EBEC499}"/>
               </a:ext>
             </a:extLst>
           </p:cNvPr>
@@ -488,7 +488,7 @@
           <p:cNvPr id="6" name="灯片编号占位符 5">
             <a:extLst>
               <a:ext uri="{FF2B5EF4-FFF2-40B4-BE49-F238E27FC236}">
-                <a16:creationId xmlns:a16="http://schemas.microsoft.com/office/drawing/2014/main" id="{C5139579-8EC0-4B5D-12DD-52EF57A15EC2}"/>
+                <a16:creationId xmlns:a16="http://schemas.microsoft.com/office/drawing/2014/main" id="{75DA9A6F-E6D6-7F1F-138E-37D3237FEDE7}"/>
               </a:ext>
             </a:extLst>
           </p:cNvPr>
@@ -504,7 +504,7 @@
           <a:bodyPr/>
           <a:lstStyle/>
           <a:p>
-            <a:fld id="{0D59830A-066F-46C7-9A96-EB2BFC825B2D}" type="slidenum">
+            <a:fld id="{0BE4DC21-3C06-48ED-A111-5C0E0C77132B}" type="slidenum">
               <a:rPr lang="zh-CN" altLang="en-US" smtClean="0"/>
               <a:t>‹#›</a:t>
             </a:fld>
@@ -515,7 +515,7 @@
     </p:spTree>
     <p:extLst>
       <p:ext uri="{BB962C8B-B14F-4D97-AF65-F5344CB8AC3E}">
-        <p14:creationId xmlns:p14="http://schemas.microsoft.com/office/powerpoint/2010/main" val="2859803372"/>
+        <p14:creationId xmlns:p14="http://schemas.microsoft.com/office/powerpoint/2010/main" val="105325597"/>
       </p:ext>
     </p:extLst>
   </p:cSld>
@@ -547,7 +547,7 @@
           <p:cNvPr id="2" name="竖排标题 1">
             <a:extLst>
               <a:ext uri="{FF2B5EF4-FFF2-40B4-BE49-F238E27FC236}">
-                <a16:creationId xmlns:a16="http://schemas.microsoft.com/office/drawing/2014/main" id="{2E68193A-2A35-A2BA-88A1-6F2713676B8F}"/>
+                <a16:creationId xmlns:a16="http://schemas.microsoft.com/office/drawing/2014/main" id="{EA8BCCA8-A173-40E5-7375-D390A6050FCD}"/>
               </a:ext>
             </a:extLst>
           </p:cNvPr>
@@ -580,7 +580,7 @@
           <p:cNvPr id="3" name="竖排文字占位符 2">
             <a:extLst>
               <a:ext uri="{FF2B5EF4-FFF2-40B4-BE49-F238E27FC236}">
-                <a16:creationId xmlns:a16="http://schemas.microsoft.com/office/drawing/2014/main" id="{DF930ADE-53AB-B816-E38E-4E4603D789F4}"/>
+                <a16:creationId xmlns:a16="http://schemas.microsoft.com/office/drawing/2014/main" id="{FBA1D916-FE03-AD17-E840-81FBE3063D8F}"/>
               </a:ext>
             </a:extLst>
           </p:cNvPr>
@@ -642,7 +642,7 @@
           <p:cNvPr id="4" name="日期占位符 3">
             <a:extLst>
               <a:ext uri="{FF2B5EF4-FFF2-40B4-BE49-F238E27FC236}">
-                <a16:creationId xmlns:a16="http://schemas.microsoft.com/office/drawing/2014/main" id="{1E4AE326-F743-1F81-C808-5500F7481487}"/>
+                <a16:creationId xmlns:a16="http://schemas.microsoft.com/office/drawing/2014/main" id="{5AD0DE9B-21D5-3980-88E3-CCF087714497}"/>
               </a:ext>
             </a:extLst>
           </p:cNvPr>
@@ -658,7 +658,7 @@
           <a:bodyPr/>
           <a:lstStyle/>
           <a:p>
-            <a:fld id="{C7B7E649-7F43-44D3-B223-7B92AE667A3B}" type="datetimeFigureOut">
+            <a:fld id="{A486E5AA-1680-4B6B-B42B-9AE5F5561CA9}" type="datetimeFigureOut">
               <a:rPr lang="zh-CN" altLang="en-US" smtClean="0"/>
               <a:t>2024/3/10</a:t>
             </a:fld>
@@ -671,7 +671,7 @@
           <p:cNvPr id="5" name="页脚占位符 4">
             <a:extLst>
               <a:ext uri="{FF2B5EF4-FFF2-40B4-BE49-F238E27FC236}">
-                <a16:creationId xmlns:a16="http://schemas.microsoft.com/office/drawing/2014/main" id="{4C6A263A-7B08-3E1E-0D70-C4674FFF6692}"/>
+                <a16:creationId xmlns:a16="http://schemas.microsoft.com/office/drawing/2014/main" id="{51856F89-F1B0-AF0B-2717-2245179FC56C}"/>
               </a:ext>
             </a:extLst>
           </p:cNvPr>
@@ -696,7 +696,7 @@
           <p:cNvPr id="6" name="灯片编号占位符 5">
             <a:extLst>
               <a:ext uri="{FF2B5EF4-FFF2-40B4-BE49-F238E27FC236}">
-                <a16:creationId xmlns:a16="http://schemas.microsoft.com/office/drawing/2014/main" id="{6FDEB271-156D-1948-913F-69C1630218D0}"/>
+                <a16:creationId xmlns:a16="http://schemas.microsoft.com/office/drawing/2014/main" id="{31D27C6B-BE92-A5CD-ACCF-25382A8EBDB1}"/>
               </a:ext>
             </a:extLst>
           </p:cNvPr>
@@ -712,7 +712,7 @@
           <a:bodyPr/>
           <a:lstStyle/>
           <a:p>
-            <a:fld id="{0D59830A-066F-46C7-9A96-EB2BFC825B2D}" type="slidenum">
+            <a:fld id="{0BE4DC21-3C06-48ED-A111-5C0E0C77132B}" type="slidenum">
               <a:rPr lang="zh-CN" altLang="en-US" smtClean="0"/>
               <a:t>‹#›</a:t>
             </a:fld>
@@ -723,7 +723,7 @@
     </p:spTree>
     <p:extLst>
       <p:ext uri="{BB962C8B-B14F-4D97-AF65-F5344CB8AC3E}">
-        <p14:creationId xmlns:p14="http://schemas.microsoft.com/office/powerpoint/2010/main" val="2914264035"/>
+        <p14:creationId xmlns:p14="http://schemas.microsoft.com/office/powerpoint/2010/main" val="4220299212"/>
       </p:ext>
     </p:extLst>
   </p:cSld>
@@ -755,7 +755,7 @@
           <p:cNvPr id="2" name="标题 1">
             <a:extLst>
               <a:ext uri="{FF2B5EF4-FFF2-40B4-BE49-F238E27FC236}">
-                <a16:creationId xmlns:a16="http://schemas.microsoft.com/office/drawing/2014/main" id="{93AEDF0D-A465-B693-E705-C78FDF01546C}"/>
+                <a16:creationId xmlns:a16="http://schemas.microsoft.com/office/drawing/2014/main" id="{8FC4F2E4-E7B5-9B20-3747-A990EF8A8006}"/>
               </a:ext>
             </a:extLst>
           </p:cNvPr>
@@ -783,7 +783,7 @@
           <p:cNvPr id="3" name="内容占位符 2">
             <a:extLst>
               <a:ext uri="{FF2B5EF4-FFF2-40B4-BE49-F238E27FC236}">
-                <a16:creationId xmlns:a16="http://schemas.microsoft.com/office/drawing/2014/main" id="{F266394B-D352-7F09-A62B-B4F8309D0CBD}"/>
+                <a16:creationId xmlns:a16="http://schemas.microsoft.com/office/drawing/2014/main" id="{0F7891BD-7B8E-C14A-B203-D63A79F9C877}"/>
               </a:ext>
             </a:extLst>
           </p:cNvPr>
@@ -840,7 +840,7 @@
           <p:cNvPr id="4" name="日期占位符 3">
             <a:extLst>
               <a:ext uri="{FF2B5EF4-FFF2-40B4-BE49-F238E27FC236}">
-                <a16:creationId xmlns:a16="http://schemas.microsoft.com/office/drawing/2014/main" id="{2DC159FF-00ED-03F5-52E4-8DD0811B0398}"/>
+                <a16:creationId xmlns:a16="http://schemas.microsoft.com/office/drawing/2014/main" id="{4F9249B2-2112-C972-ECFE-86A4F53AAE4C}"/>
               </a:ext>
             </a:extLst>
           </p:cNvPr>
@@ -856,7 +856,7 @@
           <a:bodyPr/>
           <a:lstStyle/>
           <a:p>
-            <a:fld id="{C7B7E649-7F43-44D3-B223-7B92AE667A3B}" type="datetimeFigureOut">
+            <a:fld id="{A486E5AA-1680-4B6B-B42B-9AE5F5561CA9}" type="datetimeFigureOut">
               <a:rPr lang="zh-CN" altLang="en-US" smtClean="0"/>
               <a:t>2024/3/10</a:t>
             </a:fld>
@@ -869,7 +869,7 @@
           <p:cNvPr id="5" name="页脚占位符 4">
             <a:extLst>
               <a:ext uri="{FF2B5EF4-FFF2-40B4-BE49-F238E27FC236}">
-                <a16:creationId xmlns:a16="http://schemas.microsoft.com/office/drawing/2014/main" id="{83D165FF-5155-C60C-03C1-D142B7B22297}"/>
+                <a16:creationId xmlns:a16="http://schemas.microsoft.com/office/drawing/2014/main" id="{CF28CE59-0589-0EE1-BDBD-065DB5CF04ED}"/>
               </a:ext>
             </a:extLst>
           </p:cNvPr>
@@ -894,7 +894,7 @@
           <p:cNvPr id="6" name="灯片编号占位符 5">
             <a:extLst>
               <a:ext uri="{FF2B5EF4-FFF2-40B4-BE49-F238E27FC236}">
-                <a16:creationId xmlns:a16="http://schemas.microsoft.com/office/drawing/2014/main" id="{CFC8CB6B-1E3E-FC92-A2CA-03557BAB2113}"/>
+                <a16:creationId xmlns:a16="http://schemas.microsoft.com/office/drawing/2014/main" id="{471325C3-4E4C-C65D-AE72-558272004E95}"/>
               </a:ext>
             </a:extLst>
           </p:cNvPr>
@@ -910,7 +910,7 @@
           <a:bodyPr/>
           <a:lstStyle/>
           <a:p>
-            <a:fld id="{0D59830A-066F-46C7-9A96-EB2BFC825B2D}" type="slidenum">
+            <a:fld id="{0BE4DC21-3C06-48ED-A111-5C0E0C77132B}" type="slidenum">
               <a:rPr lang="zh-CN" altLang="en-US" smtClean="0"/>
               <a:t>‹#›</a:t>
             </a:fld>
@@ -921,7 +921,7 @@
     </p:spTree>
     <p:extLst>
       <p:ext uri="{BB962C8B-B14F-4D97-AF65-F5344CB8AC3E}">
-        <p14:creationId xmlns:p14="http://schemas.microsoft.com/office/powerpoint/2010/main" val="1658496189"/>
+        <p14:creationId xmlns:p14="http://schemas.microsoft.com/office/powerpoint/2010/main" val="3268251267"/>
       </p:ext>
     </p:extLst>
   </p:cSld>
@@ -953,7 +953,7 @@
           <p:cNvPr id="2" name="标题 1">
             <a:extLst>
               <a:ext uri="{FF2B5EF4-FFF2-40B4-BE49-F238E27FC236}">
-                <a16:creationId xmlns:a16="http://schemas.microsoft.com/office/drawing/2014/main" id="{0EECAAE5-203A-7B41-C1B2-3F70728CB8B9}"/>
+                <a16:creationId xmlns:a16="http://schemas.microsoft.com/office/drawing/2014/main" id="{8C856BA6-53FC-077C-2D0F-A92D5C0631A6}"/>
               </a:ext>
             </a:extLst>
           </p:cNvPr>
@@ -990,7 +990,7 @@
           <p:cNvPr id="3" name="文本占位符 2">
             <a:extLst>
               <a:ext uri="{FF2B5EF4-FFF2-40B4-BE49-F238E27FC236}">
-                <a16:creationId xmlns:a16="http://schemas.microsoft.com/office/drawing/2014/main" id="{1CE39B53-4636-0033-934F-8CE238D79B71}"/>
+                <a16:creationId xmlns:a16="http://schemas.microsoft.com/office/drawing/2014/main" id="{A8534453-43BD-9B2A-3648-08AD4943995E}"/>
               </a:ext>
             </a:extLst>
           </p:cNvPr>
@@ -1115,7 +1115,7 @@
           <p:cNvPr id="4" name="日期占位符 3">
             <a:extLst>
               <a:ext uri="{FF2B5EF4-FFF2-40B4-BE49-F238E27FC236}">
-                <a16:creationId xmlns:a16="http://schemas.microsoft.com/office/drawing/2014/main" id="{88A791A3-C72C-F8C3-A830-F6456A1E3914}"/>
+                <a16:creationId xmlns:a16="http://schemas.microsoft.com/office/drawing/2014/main" id="{231E0E65-7430-BA1C-8D9B-6B39FBA3E89D}"/>
               </a:ext>
             </a:extLst>
           </p:cNvPr>
@@ -1131,7 +1131,7 @@
           <a:bodyPr/>
           <a:lstStyle/>
           <a:p>
-            <a:fld id="{C7B7E649-7F43-44D3-B223-7B92AE667A3B}" type="datetimeFigureOut">
+            <a:fld id="{A486E5AA-1680-4B6B-B42B-9AE5F5561CA9}" type="datetimeFigureOut">
               <a:rPr lang="zh-CN" altLang="en-US" smtClean="0"/>
               <a:t>2024/3/10</a:t>
             </a:fld>
@@ -1144,7 +1144,7 @@
           <p:cNvPr id="5" name="页脚占位符 4">
             <a:extLst>
               <a:ext uri="{FF2B5EF4-FFF2-40B4-BE49-F238E27FC236}">
-                <a16:creationId xmlns:a16="http://schemas.microsoft.com/office/drawing/2014/main" id="{F45F2B54-982A-45E0-21F0-6F0E7D2F86E6}"/>
+                <a16:creationId xmlns:a16="http://schemas.microsoft.com/office/drawing/2014/main" id="{91303483-7C30-E05D-4E6D-4D58BC2D9161}"/>
               </a:ext>
             </a:extLst>
           </p:cNvPr>
@@ -1169,7 +1169,7 @@
           <p:cNvPr id="6" name="灯片编号占位符 5">
             <a:extLst>
               <a:ext uri="{FF2B5EF4-FFF2-40B4-BE49-F238E27FC236}">
-                <a16:creationId xmlns:a16="http://schemas.microsoft.com/office/drawing/2014/main" id="{63ACBF47-E400-66DD-BEFF-3A2A9F0E5636}"/>
+                <a16:creationId xmlns:a16="http://schemas.microsoft.com/office/drawing/2014/main" id="{5D131FAA-B0EA-DFB7-526D-4DF34786A4D5}"/>
               </a:ext>
             </a:extLst>
           </p:cNvPr>
@@ -1185,7 +1185,7 @@
           <a:bodyPr/>
           <a:lstStyle/>
           <a:p>
-            <a:fld id="{0D59830A-066F-46C7-9A96-EB2BFC825B2D}" type="slidenum">
+            <a:fld id="{0BE4DC21-3C06-48ED-A111-5C0E0C77132B}" type="slidenum">
               <a:rPr lang="zh-CN" altLang="en-US" smtClean="0"/>
               <a:t>‹#›</a:t>
             </a:fld>
@@ -1196,7 +1196,7 @@
     </p:spTree>
     <p:extLst>
       <p:ext uri="{BB962C8B-B14F-4D97-AF65-F5344CB8AC3E}">
-        <p14:creationId xmlns:p14="http://schemas.microsoft.com/office/powerpoint/2010/main" val="3865169554"/>
+        <p14:creationId xmlns:p14="http://schemas.microsoft.com/office/powerpoint/2010/main" val="3933944712"/>
       </p:ext>
     </p:extLst>
   </p:cSld>
@@ -1228,7 +1228,7 @@
           <p:cNvPr id="2" name="标题 1">
             <a:extLst>
               <a:ext uri="{FF2B5EF4-FFF2-40B4-BE49-F238E27FC236}">
-                <a16:creationId xmlns:a16="http://schemas.microsoft.com/office/drawing/2014/main" id="{B74A2C9D-16DB-BCBE-007D-E890DE9772C7}"/>
+                <a16:creationId xmlns:a16="http://schemas.microsoft.com/office/drawing/2014/main" id="{02323109-A9D4-0C5E-84EF-79B2B0120605}"/>
               </a:ext>
             </a:extLst>
           </p:cNvPr>
@@ -1256,7 +1256,7 @@
           <p:cNvPr id="3" name="内容占位符 2">
             <a:extLst>
               <a:ext uri="{FF2B5EF4-FFF2-40B4-BE49-F238E27FC236}">
-                <a16:creationId xmlns:a16="http://schemas.microsoft.com/office/drawing/2014/main" id="{58E94FB1-4347-F0A2-68F7-2078C9937220}"/>
+                <a16:creationId xmlns:a16="http://schemas.microsoft.com/office/drawing/2014/main" id="{19D91ABD-452C-112A-C222-F252D3A6C8D7}"/>
               </a:ext>
             </a:extLst>
           </p:cNvPr>
@@ -1318,7 +1318,7 @@
           <p:cNvPr id="4" name="内容占位符 3">
             <a:extLst>
               <a:ext uri="{FF2B5EF4-FFF2-40B4-BE49-F238E27FC236}">
-                <a16:creationId xmlns:a16="http://schemas.microsoft.com/office/drawing/2014/main" id="{39708846-4C09-9489-C24A-76CA1F235746}"/>
+                <a16:creationId xmlns:a16="http://schemas.microsoft.com/office/drawing/2014/main" id="{F28C42B8-8A62-1D70-036E-5FB4F64DD2BE}"/>
               </a:ext>
             </a:extLst>
           </p:cNvPr>
@@ -1380,7 +1380,7 @@
           <p:cNvPr id="5" name="日期占位符 4">
             <a:extLst>
               <a:ext uri="{FF2B5EF4-FFF2-40B4-BE49-F238E27FC236}">
-                <a16:creationId xmlns:a16="http://schemas.microsoft.com/office/drawing/2014/main" id="{39D7240F-BD21-476B-F24E-B2D2363FB964}"/>
+                <a16:creationId xmlns:a16="http://schemas.microsoft.com/office/drawing/2014/main" id="{4F0F10A6-207E-EA73-7AF4-CDF7428037EA}"/>
               </a:ext>
             </a:extLst>
           </p:cNvPr>
@@ -1396,7 +1396,7 @@
           <a:bodyPr/>
           <a:lstStyle/>
           <a:p>
-            <a:fld id="{C7B7E649-7F43-44D3-B223-7B92AE667A3B}" type="datetimeFigureOut">
+            <a:fld id="{A486E5AA-1680-4B6B-B42B-9AE5F5561CA9}" type="datetimeFigureOut">
               <a:rPr lang="zh-CN" altLang="en-US" smtClean="0"/>
               <a:t>2024/3/10</a:t>
             </a:fld>
@@ -1409,7 +1409,7 @@
           <p:cNvPr id="6" name="页脚占位符 5">
             <a:extLst>
               <a:ext uri="{FF2B5EF4-FFF2-40B4-BE49-F238E27FC236}">
-                <a16:creationId xmlns:a16="http://schemas.microsoft.com/office/drawing/2014/main" id="{00BCDC3A-8F81-B84C-F436-E6AAAB0F2EB6}"/>
+                <a16:creationId xmlns:a16="http://schemas.microsoft.com/office/drawing/2014/main" id="{CE42013C-4460-ACF4-CECC-01DD710A1A2B}"/>
               </a:ext>
             </a:extLst>
           </p:cNvPr>
@@ -1434,7 +1434,7 @@
           <p:cNvPr id="7" name="灯片编号占位符 6">
             <a:extLst>
               <a:ext uri="{FF2B5EF4-FFF2-40B4-BE49-F238E27FC236}">
-                <a16:creationId xmlns:a16="http://schemas.microsoft.com/office/drawing/2014/main" id="{0101C4B4-E9C0-2792-59EC-ECA4B5C0E7A6}"/>
+                <a16:creationId xmlns:a16="http://schemas.microsoft.com/office/drawing/2014/main" id="{985986E1-3826-A25B-BD07-B2AF180485E8}"/>
               </a:ext>
             </a:extLst>
           </p:cNvPr>
@@ -1450,7 +1450,7 @@
           <a:bodyPr/>
           <a:lstStyle/>
           <a:p>
-            <a:fld id="{0D59830A-066F-46C7-9A96-EB2BFC825B2D}" type="slidenum">
+            <a:fld id="{0BE4DC21-3C06-48ED-A111-5C0E0C77132B}" type="slidenum">
               <a:rPr lang="zh-CN" altLang="en-US" smtClean="0"/>
               <a:t>‹#›</a:t>
             </a:fld>
@@ -1461,7 +1461,7 @@
     </p:spTree>
     <p:extLst>
       <p:ext uri="{BB962C8B-B14F-4D97-AF65-F5344CB8AC3E}">
-        <p14:creationId xmlns:p14="http://schemas.microsoft.com/office/powerpoint/2010/main" val="13876162"/>
+        <p14:creationId xmlns:p14="http://schemas.microsoft.com/office/powerpoint/2010/main" val="1263139668"/>
       </p:ext>
     </p:extLst>
   </p:cSld>
@@ -1493,7 +1493,7 @@
           <p:cNvPr id="2" name="标题 1">
             <a:extLst>
               <a:ext uri="{FF2B5EF4-FFF2-40B4-BE49-F238E27FC236}">
-                <a16:creationId xmlns:a16="http://schemas.microsoft.com/office/drawing/2014/main" id="{4E99EF1D-06DC-0D65-58B1-35BE2B48F883}"/>
+                <a16:creationId xmlns:a16="http://schemas.microsoft.com/office/drawing/2014/main" id="{1F57439E-E87E-105C-526C-CAF97AD49106}"/>
               </a:ext>
             </a:extLst>
           </p:cNvPr>
@@ -1526,7 +1526,7 @@
           <p:cNvPr id="3" name="文本占位符 2">
             <a:extLst>
               <a:ext uri="{FF2B5EF4-FFF2-40B4-BE49-F238E27FC236}">
-                <a16:creationId xmlns:a16="http://schemas.microsoft.com/office/drawing/2014/main" id="{A823AA4E-CB23-D27C-214F-74183F305415}"/>
+                <a16:creationId xmlns:a16="http://schemas.microsoft.com/office/drawing/2014/main" id="{DDD066DA-58E4-A7D4-B35A-185DF179C503}"/>
               </a:ext>
             </a:extLst>
           </p:cNvPr>
@@ -1597,7 +1597,7 @@
           <p:cNvPr id="4" name="内容占位符 3">
             <a:extLst>
               <a:ext uri="{FF2B5EF4-FFF2-40B4-BE49-F238E27FC236}">
-                <a16:creationId xmlns:a16="http://schemas.microsoft.com/office/drawing/2014/main" id="{F9749A6B-435C-5FC1-1174-8BA6E600201D}"/>
+                <a16:creationId xmlns:a16="http://schemas.microsoft.com/office/drawing/2014/main" id="{2ADDB9D0-151F-94BE-56B5-272AF1541F91}"/>
               </a:ext>
             </a:extLst>
           </p:cNvPr>
@@ -1659,7 +1659,7 @@
           <p:cNvPr id="5" name="文本占位符 4">
             <a:extLst>
               <a:ext uri="{FF2B5EF4-FFF2-40B4-BE49-F238E27FC236}">
-                <a16:creationId xmlns:a16="http://schemas.microsoft.com/office/drawing/2014/main" id="{DAD3295B-3E62-4CC7-6ACA-F4FBDDE69B31}"/>
+                <a16:creationId xmlns:a16="http://schemas.microsoft.com/office/drawing/2014/main" id="{4A3A9749-FC4E-C907-6678-BF0235B09052}"/>
               </a:ext>
             </a:extLst>
           </p:cNvPr>
@@ -1730,7 +1730,7 @@
           <p:cNvPr id="6" name="内容占位符 5">
             <a:extLst>
               <a:ext uri="{FF2B5EF4-FFF2-40B4-BE49-F238E27FC236}">
-                <a16:creationId xmlns:a16="http://schemas.microsoft.com/office/drawing/2014/main" id="{CC74B81A-9F07-91DF-B54B-AADC0EBDB10E}"/>
+                <a16:creationId xmlns:a16="http://schemas.microsoft.com/office/drawing/2014/main" id="{768C24F3-571F-437D-0B73-A6F3CB0D3DB8}"/>
               </a:ext>
             </a:extLst>
           </p:cNvPr>
@@ -1792,7 +1792,7 @@
           <p:cNvPr id="7" name="日期占位符 6">
             <a:extLst>
               <a:ext uri="{FF2B5EF4-FFF2-40B4-BE49-F238E27FC236}">
-                <a16:creationId xmlns:a16="http://schemas.microsoft.com/office/drawing/2014/main" id="{72CF0350-2566-E805-70D4-0EC3E1E9C691}"/>
+                <a16:creationId xmlns:a16="http://schemas.microsoft.com/office/drawing/2014/main" id="{70AD3AE2-D61C-44E3-87FC-F6250323B00D}"/>
               </a:ext>
             </a:extLst>
           </p:cNvPr>
@@ -1808,7 +1808,7 @@
           <a:bodyPr/>
           <a:lstStyle/>
           <a:p>
-            <a:fld id="{C7B7E649-7F43-44D3-B223-7B92AE667A3B}" type="datetimeFigureOut">
+            <a:fld id="{A486E5AA-1680-4B6B-B42B-9AE5F5561CA9}" type="datetimeFigureOut">
               <a:rPr lang="zh-CN" altLang="en-US" smtClean="0"/>
               <a:t>2024/3/10</a:t>
             </a:fld>
@@ -1821,7 +1821,7 @@
           <p:cNvPr id="8" name="页脚占位符 7">
             <a:extLst>
               <a:ext uri="{FF2B5EF4-FFF2-40B4-BE49-F238E27FC236}">
-                <a16:creationId xmlns:a16="http://schemas.microsoft.com/office/drawing/2014/main" id="{BB14E2C7-BB57-8BF9-9220-5E75071BA9B2}"/>
+                <a16:creationId xmlns:a16="http://schemas.microsoft.com/office/drawing/2014/main" id="{3EC438CC-2E60-90F8-9410-C71B9274C5FF}"/>
               </a:ext>
             </a:extLst>
           </p:cNvPr>
@@ -1846,7 +1846,7 @@
           <p:cNvPr id="9" name="灯片编号占位符 8">
             <a:extLst>
               <a:ext uri="{FF2B5EF4-FFF2-40B4-BE49-F238E27FC236}">
-                <a16:creationId xmlns:a16="http://schemas.microsoft.com/office/drawing/2014/main" id="{5A3BEB52-BB0A-8220-F201-AF510BB55188}"/>
+                <a16:creationId xmlns:a16="http://schemas.microsoft.com/office/drawing/2014/main" id="{8BAC95CA-F4D8-9484-5BC1-D99D9E9F74F5}"/>
               </a:ext>
             </a:extLst>
           </p:cNvPr>
@@ -1862,7 +1862,7 @@
           <a:bodyPr/>
           <a:lstStyle/>
           <a:p>
-            <a:fld id="{0D59830A-066F-46C7-9A96-EB2BFC825B2D}" type="slidenum">
+            <a:fld id="{0BE4DC21-3C06-48ED-A111-5C0E0C77132B}" type="slidenum">
               <a:rPr lang="zh-CN" altLang="en-US" smtClean="0"/>
               <a:t>‹#›</a:t>
             </a:fld>
@@ -1873,7 +1873,7 @@
     </p:spTree>
     <p:extLst>
       <p:ext uri="{BB962C8B-B14F-4D97-AF65-F5344CB8AC3E}">
-        <p14:creationId xmlns:p14="http://schemas.microsoft.com/office/powerpoint/2010/main" val="1093660185"/>
+        <p14:creationId xmlns:p14="http://schemas.microsoft.com/office/powerpoint/2010/main" val="1240039758"/>
       </p:ext>
     </p:extLst>
   </p:cSld>
@@ -1905,7 +1905,7 @@
           <p:cNvPr id="2" name="标题 1">
             <a:extLst>
               <a:ext uri="{FF2B5EF4-FFF2-40B4-BE49-F238E27FC236}">
-                <a16:creationId xmlns:a16="http://schemas.microsoft.com/office/drawing/2014/main" id="{52BD735B-065A-4FCF-F242-937F0CEE9DFF}"/>
+                <a16:creationId xmlns:a16="http://schemas.microsoft.com/office/drawing/2014/main" id="{E475074E-D2E0-EC50-7242-C98E43701F10}"/>
               </a:ext>
             </a:extLst>
           </p:cNvPr>
@@ -1933,7 +1933,7 @@
           <p:cNvPr id="3" name="日期占位符 2">
             <a:extLst>
               <a:ext uri="{FF2B5EF4-FFF2-40B4-BE49-F238E27FC236}">
-                <a16:creationId xmlns:a16="http://schemas.microsoft.com/office/drawing/2014/main" id="{224FE16E-0A81-7297-AC6E-50DD21640AB2}"/>
+                <a16:creationId xmlns:a16="http://schemas.microsoft.com/office/drawing/2014/main" id="{F5156104-6F70-321E-4EC2-D00B33993F00}"/>
               </a:ext>
             </a:extLst>
           </p:cNvPr>
@@ -1949,7 +1949,7 @@
           <a:bodyPr/>
           <a:lstStyle/>
           <a:p>
-            <a:fld id="{C7B7E649-7F43-44D3-B223-7B92AE667A3B}" type="datetimeFigureOut">
+            <a:fld id="{A486E5AA-1680-4B6B-B42B-9AE5F5561CA9}" type="datetimeFigureOut">
               <a:rPr lang="zh-CN" altLang="en-US" smtClean="0"/>
               <a:t>2024/3/10</a:t>
             </a:fld>
@@ -1962,7 +1962,7 @@
           <p:cNvPr id="4" name="页脚占位符 3">
             <a:extLst>
               <a:ext uri="{FF2B5EF4-FFF2-40B4-BE49-F238E27FC236}">
-                <a16:creationId xmlns:a16="http://schemas.microsoft.com/office/drawing/2014/main" id="{B2E264D2-7BF7-DAB8-F48B-53455FA58A8A}"/>
+                <a16:creationId xmlns:a16="http://schemas.microsoft.com/office/drawing/2014/main" id="{CD3A362D-94F1-4F48-C69E-2EB723E0B85A}"/>
               </a:ext>
             </a:extLst>
           </p:cNvPr>
@@ -1987,7 +1987,7 @@
           <p:cNvPr id="5" name="灯片编号占位符 4">
             <a:extLst>
               <a:ext uri="{FF2B5EF4-FFF2-40B4-BE49-F238E27FC236}">
-                <a16:creationId xmlns:a16="http://schemas.microsoft.com/office/drawing/2014/main" id="{B42CFABB-F14D-282A-4FE3-11D9D1B045BA}"/>
+                <a16:creationId xmlns:a16="http://schemas.microsoft.com/office/drawing/2014/main" id="{313B9764-947E-985A-F4E9-7D9D28A75525}"/>
               </a:ext>
             </a:extLst>
           </p:cNvPr>
@@ -2003,7 +2003,7 @@
           <a:bodyPr/>
           <a:lstStyle/>
           <a:p>
-            <a:fld id="{0D59830A-066F-46C7-9A96-EB2BFC825B2D}" type="slidenum">
+            <a:fld id="{0BE4DC21-3C06-48ED-A111-5C0E0C77132B}" type="slidenum">
               <a:rPr lang="zh-CN" altLang="en-US" smtClean="0"/>
               <a:t>‹#›</a:t>
             </a:fld>
@@ -2014,7 +2014,7 @@
     </p:spTree>
     <p:extLst>
       <p:ext uri="{BB962C8B-B14F-4D97-AF65-F5344CB8AC3E}">
-        <p14:creationId xmlns:p14="http://schemas.microsoft.com/office/powerpoint/2010/main" val="3948362054"/>
+        <p14:creationId xmlns:p14="http://schemas.microsoft.com/office/powerpoint/2010/main" val="1991673567"/>
       </p:ext>
     </p:extLst>
   </p:cSld>
@@ -2046,7 +2046,7 @@
           <p:cNvPr id="2" name="日期占位符 1">
             <a:extLst>
               <a:ext uri="{FF2B5EF4-FFF2-40B4-BE49-F238E27FC236}">
-                <a16:creationId xmlns:a16="http://schemas.microsoft.com/office/drawing/2014/main" id="{6AF355BE-586F-E5DB-CEC6-078FC0318BA9}"/>
+                <a16:creationId xmlns:a16="http://schemas.microsoft.com/office/drawing/2014/main" id="{442B273C-06C5-06B7-8681-27DE4249DD2C}"/>
               </a:ext>
             </a:extLst>
           </p:cNvPr>
@@ -2062,7 +2062,7 @@
           <a:bodyPr/>
           <a:lstStyle/>
           <a:p>
-            <a:fld id="{C7B7E649-7F43-44D3-B223-7B92AE667A3B}" type="datetimeFigureOut">
+            <a:fld id="{A486E5AA-1680-4B6B-B42B-9AE5F5561CA9}" type="datetimeFigureOut">
               <a:rPr lang="zh-CN" altLang="en-US" smtClean="0"/>
               <a:t>2024/3/10</a:t>
             </a:fld>
@@ -2075,7 +2075,7 @@
           <p:cNvPr id="3" name="页脚占位符 2">
             <a:extLst>
               <a:ext uri="{FF2B5EF4-FFF2-40B4-BE49-F238E27FC236}">
-                <a16:creationId xmlns:a16="http://schemas.microsoft.com/office/drawing/2014/main" id="{1CA0E733-7EED-4263-AF29-A0438ECF818B}"/>
+                <a16:creationId xmlns:a16="http://schemas.microsoft.com/office/drawing/2014/main" id="{DF24AB65-8C66-8FEC-016D-C290B52F1DD0}"/>
               </a:ext>
             </a:extLst>
           </p:cNvPr>
@@ -2100,7 +2100,7 @@
           <p:cNvPr id="4" name="灯片编号占位符 3">
             <a:extLst>
               <a:ext uri="{FF2B5EF4-FFF2-40B4-BE49-F238E27FC236}">
-                <a16:creationId xmlns:a16="http://schemas.microsoft.com/office/drawing/2014/main" id="{3EF266B6-C833-F93D-916D-409C2C9D7107}"/>
+                <a16:creationId xmlns:a16="http://schemas.microsoft.com/office/drawing/2014/main" id="{00F76A25-68AA-9629-45A4-ACBF1AA8F034}"/>
               </a:ext>
             </a:extLst>
           </p:cNvPr>
@@ -2116,7 +2116,7 @@
           <a:bodyPr/>
           <a:lstStyle/>
           <a:p>
-            <a:fld id="{0D59830A-066F-46C7-9A96-EB2BFC825B2D}" type="slidenum">
+            <a:fld id="{0BE4DC21-3C06-48ED-A111-5C0E0C77132B}" type="slidenum">
               <a:rPr lang="zh-CN" altLang="en-US" smtClean="0"/>
               <a:t>‹#›</a:t>
             </a:fld>
@@ -2127,7 +2127,7 @@
     </p:spTree>
     <p:extLst>
       <p:ext uri="{BB962C8B-B14F-4D97-AF65-F5344CB8AC3E}">
-        <p14:creationId xmlns:p14="http://schemas.microsoft.com/office/powerpoint/2010/main" val="3737938769"/>
+        <p14:creationId xmlns:p14="http://schemas.microsoft.com/office/powerpoint/2010/main" val="2821468136"/>
       </p:ext>
     </p:extLst>
   </p:cSld>
@@ -2159,7 +2159,7 @@
           <p:cNvPr id="2" name="标题 1">
             <a:extLst>
               <a:ext uri="{FF2B5EF4-FFF2-40B4-BE49-F238E27FC236}">
-                <a16:creationId xmlns:a16="http://schemas.microsoft.com/office/drawing/2014/main" id="{2D7AAD6C-F0BF-0886-4EF7-1117AA107202}"/>
+                <a16:creationId xmlns:a16="http://schemas.microsoft.com/office/drawing/2014/main" id="{7CF56062-7BA1-7EED-B495-1791A0D18897}"/>
               </a:ext>
             </a:extLst>
           </p:cNvPr>
@@ -2196,7 +2196,7 @@
           <p:cNvPr id="3" name="内容占位符 2">
             <a:extLst>
               <a:ext uri="{FF2B5EF4-FFF2-40B4-BE49-F238E27FC236}">
-                <a16:creationId xmlns:a16="http://schemas.microsoft.com/office/drawing/2014/main" id="{2C88D8A2-8223-E2C6-C391-60ED7D5FDD97}"/>
+                <a16:creationId xmlns:a16="http://schemas.microsoft.com/office/drawing/2014/main" id="{33AEA6CC-27ED-A616-03F5-562B41A98F12}"/>
               </a:ext>
             </a:extLst>
           </p:cNvPr>
@@ -2286,7 +2286,7 @@
           <p:cNvPr id="4" name="文本占位符 3">
             <a:extLst>
               <a:ext uri="{FF2B5EF4-FFF2-40B4-BE49-F238E27FC236}">
-                <a16:creationId xmlns:a16="http://schemas.microsoft.com/office/drawing/2014/main" id="{6B0467AC-0F60-63B7-B997-5A940B619407}"/>
+                <a16:creationId xmlns:a16="http://schemas.microsoft.com/office/drawing/2014/main" id="{744242C7-4171-6A06-9868-866612481A30}"/>
               </a:ext>
             </a:extLst>
           </p:cNvPr>
@@ -2357,7 +2357,7 @@
           <p:cNvPr id="5" name="日期占位符 4">
             <a:extLst>
               <a:ext uri="{FF2B5EF4-FFF2-40B4-BE49-F238E27FC236}">
-                <a16:creationId xmlns:a16="http://schemas.microsoft.com/office/drawing/2014/main" id="{FF8A4815-73B5-09C4-9066-1D950B26EEFE}"/>
+                <a16:creationId xmlns:a16="http://schemas.microsoft.com/office/drawing/2014/main" id="{148520AD-92F6-A6C2-5447-75A974049120}"/>
               </a:ext>
             </a:extLst>
           </p:cNvPr>
@@ -2373,7 +2373,7 @@
           <a:bodyPr/>
           <a:lstStyle/>
           <a:p>
-            <a:fld id="{C7B7E649-7F43-44D3-B223-7B92AE667A3B}" type="datetimeFigureOut">
+            <a:fld id="{A486E5AA-1680-4B6B-B42B-9AE5F5561CA9}" type="datetimeFigureOut">
               <a:rPr lang="zh-CN" altLang="en-US" smtClean="0"/>
               <a:t>2024/3/10</a:t>
             </a:fld>
@@ -2386,7 +2386,7 @@
           <p:cNvPr id="6" name="页脚占位符 5">
             <a:extLst>
               <a:ext uri="{FF2B5EF4-FFF2-40B4-BE49-F238E27FC236}">
-                <a16:creationId xmlns:a16="http://schemas.microsoft.com/office/drawing/2014/main" id="{EB73B98D-EFED-D7F8-191A-582CCEF496EF}"/>
+                <a16:creationId xmlns:a16="http://schemas.microsoft.com/office/drawing/2014/main" id="{6B50331A-2728-78DF-5D3C-6F004A91ECA3}"/>
               </a:ext>
             </a:extLst>
           </p:cNvPr>
@@ -2411,7 +2411,7 @@
           <p:cNvPr id="7" name="灯片编号占位符 6">
             <a:extLst>
               <a:ext uri="{FF2B5EF4-FFF2-40B4-BE49-F238E27FC236}">
-                <a16:creationId xmlns:a16="http://schemas.microsoft.com/office/drawing/2014/main" id="{AADAD7EF-F1F3-4380-0079-21B2A03CDA2E}"/>
+                <a16:creationId xmlns:a16="http://schemas.microsoft.com/office/drawing/2014/main" id="{7867983A-55DF-B734-37AD-CD128167073F}"/>
               </a:ext>
             </a:extLst>
           </p:cNvPr>
@@ -2427,7 +2427,7 @@
           <a:bodyPr/>
           <a:lstStyle/>
           <a:p>
-            <a:fld id="{0D59830A-066F-46C7-9A96-EB2BFC825B2D}" type="slidenum">
+            <a:fld id="{0BE4DC21-3C06-48ED-A111-5C0E0C77132B}" type="slidenum">
               <a:rPr lang="zh-CN" altLang="en-US" smtClean="0"/>
               <a:t>‹#›</a:t>
             </a:fld>
@@ -2438,7 +2438,7 @@
     </p:spTree>
     <p:extLst>
       <p:ext uri="{BB962C8B-B14F-4D97-AF65-F5344CB8AC3E}">
-        <p14:creationId xmlns:p14="http://schemas.microsoft.com/office/powerpoint/2010/main" val="3051599984"/>
+        <p14:creationId xmlns:p14="http://schemas.microsoft.com/office/powerpoint/2010/main" val="2140080384"/>
       </p:ext>
     </p:extLst>
   </p:cSld>
@@ -2470,7 +2470,7 @@
           <p:cNvPr id="2" name="标题 1">
             <a:extLst>
               <a:ext uri="{FF2B5EF4-FFF2-40B4-BE49-F238E27FC236}">
-                <a16:creationId xmlns:a16="http://schemas.microsoft.com/office/drawing/2014/main" id="{94637BDF-5279-437A-5547-7286C3015335}"/>
+                <a16:creationId xmlns:a16="http://schemas.microsoft.com/office/drawing/2014/main" id="{EB866366-0837-0073-7B6C-3B43C6068445}"/>
               </a:ext>
             </a:extLst>
           </p:cNvPr>
@@ -2507,7 +2507,7 @@
           <p:cNvPr id="3" name="图片占位符 2">
             <a:extLst>
               <a:ext uri="{FF2B5EF4-FFF2-40B4-BE49-F238E27FC236}">
-                <a16:creationId xmlns:a16="http://schemas.microsoft.com/office/drawing/2014/main" id="{47BDBC33-FA67-5475-068E-05D2F4BAD9F2}"/>
+                <a16:creationId xmlns:a16="http://schemas.microsoft.com/office/drawing/2014/main" id="{AFC053AC-DBCC-AF6F-44E3-CB6E03D0A8C7}"/>
               </a:ext>
             </a:extLst>
           </p:cNvPr>
@@ -2574,7 +2574,7 @@
           <p:cNvPr id="4" name="文本占位符 3">
             <a:extLst>
               <a:ext uri="{FF2B5EF4-FFF2-40B4-BE49-F238E27FC236}">
-                <a16:creationId xmlns:a16="http://schemas.microsoft.com/office/drawing/2014/main" id="{3C72DEA6-4CF3-A8EB-FFF5-24B85B64CC4B}"/>
+                <a16:creationId xmlns:a16="http://schemas.microsoft.com/office/drawing/2014/main" id="{91B685EE-365B-132E-E207-A950993B1173}"/>
               </a:ext>
             </a:extLst>
           </p:cNvPr>
@@ -2645,7 +2645,7 @@
           <p:cNvPr id="5" name="日期占位符 4">
             <a:extLst>
               <a:ext uri="{FF2B5EF4-FFF2-40B4-BE49-F238E27FC236}">
-                <a16:creationId xmlns:a16="http://schemas.microsoft.com/office/drawing/2014/main" id="{76DC8BC2-FD1D-DEC5-DB1A-5DCBF9076093}"/>
+                <a16:creationId xmlns:a16="http://schemas.microsoft.com/office/drawing/2014/main" id="{167B0629-9053-B0B2-5CF3-730BACDD6CBB}"/>
               </a:ext>
             </a:extLst>
           </p:cNvPr>
@@ -2661,7 +2661,7 @@
           <a:bodyPr/>
           <a:lstStyle/>
           <a:p>
-            <a:fld id="{C7B7E649-7F43-44D3-B223-7B92AE667A3B}" type="datetimeFigureOut">
+            <a:fld id="{A486E5AA-1680-4B6B-B42B-9AE5F5561CA9}" type="datetimeFigureOut">
               <a:rPr lang="zh-CN" altLang="en-US" smtClean="0"/>
               <a:t>2024/3/10</a:t>
             </a:fld>
@@ -2674,7 +2674,7 @@
           <p:cNvPr id="6" name="页脚占位符 5">
             <a:extLst>
               <a:ext uri="{FF2B5EF4-FFF2-40B4-BE49-F238E27FC236}">
-                <a16:creationId xmlns:a16="http://schemas.microsoft.com/office/drawing/2014/main" id="{E555C027-7C56-7033-1F8C-5F896BBC0B1D}"/>
+                <a16:creationId xmlns:a16="http://schemas.microsoft.com/office/drawing/2014/main" id="{1FB2DCFB-FE32-45AC-AAD8-3C884D1FCF61}"/>
               </a:ext>
             </a:extLst>
           </p:cNvPr>
@@ -2699,7 +2699,7 @@
           <p:cNvPr id="7" name="灯片编号占位符 6">
             <a:extLst>
               <a:ext uri="{FF2B5EF4-FFF2-40B4-BE49-F238E27FC236}">
-                <a16:creationId xmlns:a16="http://schemas.microsoft.com/office/drawing/2014/main" id="{B142A23F-03F9-058E-4488-2F305BCE294F}"/>
+                <a16:creationId xmlns:a16="http://schemas.microsoft.com/office/drawing/2014/main" id="{3C4F56F6-4FFF-7681-F979-39D65088D79C}"/>
               </a:ext>
             </a:extLst>
           </p:cNvPr>
@@ -2715,7 +2715,7 @@
           <a:bodyPr/>
           <a:lstStyle/>
           <a:p>
-            <a:fld id="{0D59830A-066F-46C7-9A96-EB2BFC825B2D}" type="slidenum">
+            <a:fld id="{0BE4DC21-3C06-48ED-A111-5C0E0C77132B}" type="slidenum">
               <a:rPr lang="zh-CN" altLang="en-US" smtClean="0"/>
               <a:t>‹#›</a:t>
             </a:fld>
@@ -2726,7 +2726,7 @@
     </p:spTree>
     <p:extLst>
       <p:ext uri="{BB962C8B-B14F-4D97-AF65-F5344CB8AC3E}">
-        <p14:creationId xmlns:p14="http://schemas.microsoft.com/office/powerpoint/2010/main" val="313874323"/>
+        <p14:creationId xmlns:p14="http://schemas.microsoft.com/office/powerpoint/2010/main" val="2997321343"/>
       </p:ext>
     </p:extLst>
   </p:cSld>
@@ -2763,7 +2763,7 @@
           <p:cNvPr id="2" name="标题占位符 1">
             <a:extLst>
               <a:ext uri="{FF2B5EF4-FFF2-40B4-BE49-F238E27FC236}">
-                <a16:creationId xmlns:a16="http://schemas.microsoft.com/office/drawing/2014/main" id="{922AA2D8-6902-175F-18BB-75771F97A69C}"/>
+                <a16:creationId xmlns:a16="http://schemas.microsoft.com/office/drawing/2014/main" id="{4787AFEC-CB56-02F4-CF55-173A2A346F5C}"/>
               </a:ext>
             </a:extLst>
           </p:cNvPr>
@@ -2801,7 +2801,7 @@
           <p:cNvPr id="3" name="文本占位符 2">
             <a:extLst>
               <a:ext uri="{FF2B5EF4-FFF2-40B4-BE49-F238E27FC236}">
-                <a16:creationId xmlns:a16="http://schemas.microsoft.com/office/drawing/2014/main" id="{969E88F5-D748-8D6B-F50E-3FFCCE3DB011}"/>
+                <a16:creationId xmlns:a16="http://schemas.microsoft.com/office/drawing/2014/main" id="{E7942E35-D445-B5BD-3758-771B168463C4}"/>
               </a:ext>
             </a:extLst>
           </p:cNvPr>
@@ -2868,7 +2868,7 @@
           <p:cNvPr id="4" name="日期占位符 3">
             <a:extLst>
               <a:ext uri="{FF2B5EF4-FFF2-40B4-BE49-F238E27FC236}">
-                <a16:creationId xmlns:a16="http://schemas.microsoft.com/office/drawing/2014/main" id="{E2578AAF-FD11-9785-5E8D-C8B6A1042A4D}"/>
+                <a16:creationId xmlns:a16="http://schemas.microsoft.com/office/drawing/2014/main" id="{53C770CA-70E1-AE5F-55EC-E10380EF06F4}"/>
               </a:ext>
             </a:extLst>
           </p:cNvPr>
@@ -2902,7 +2902,7 @@
             </a:lvl1pPr>
           </a:lstStyle>
           <a:p>
-            <a:fld id="{C7B7E649-7F43-44D3-B223-7B92AE667A3B}" type="datetimeFigureOut">
+            <a:fld id="{A486E5AA-1680-4B6B-B42B-9AE5F5561CA9}" type="datetimeFigureOut">
               <a:rPr lang="zh-CN" altLang="en-US" smtClean="0"/>
               <a:t>2024/3/10</a:t>
             </a:fld>
@@ -2915,7 +2915,7 @@
           <p:cNvPr id="5" name="页脚占位符 4">
             <a:extLst>
               <a:ext uri="{FF2B5EF4-FFF2-40B4-BE49-F238E27FC236}">
-                <a16:creationId xmlns:a16="http://schemas.microsoft.com/office/drawing/2014/main" id="{1E034D73-0F5C-B15F-4EB4-220712B7A3FF}"/>
+                <a16:creationId xmlns:a16="http://schemas.microsoft.com/office/drawing/2014/main" id="{AF4543C5-ACB3-6BA1-9A65-130EB20EF438}"/>
               </a:ext>
             </a:extLst>
           </p:cNvPr>
@@ -2958,7 +2958,7 @@
           <p:cNvPr id="6" name="灯片编号占位符 5">
             <a:extLst>
               <a:ext uri="{FF2B5EF4-FFF2-40B4-BE49-F238E27FC236}">
-                <a16:creationId xmlns:a16="http://schemas.microsoft.com/office/drawing/2014/main" id="{B59EFF9F-1733-4907-7855-EB30DB491F79}"/>
+                <a16:creationId xmlns:a16="http://schemas.microsoft.com/office/drawing/2014/main" id="{ECD39F71-EA9A-AAE0-3854-7A4DF7F4EDF8}"/>
               </a:ext>
             </a:extLst>
           </p:cNvPr>
@@ -2992,7 +2992,7 @@
             </a:lvl1pPr>
           </a:lstStyle>
           <a:p>
-            <a:fld id="{0D59830A-066F-46C7-9A96-EB2BFC825B2D}" type="slidenum">
+            <a:fld id="{0BE4DC21-3C06-48ED-A111-5C0E0C77132B}" type="slidenum">
               <a:rPr lang="zh-CN" altLang="en-US" smtClean="0"/>
               <a:t>‹#›</a:t>
             </a:fld>
@@ -3003,7 +3003,7 @@
     </p:spTree>
     <p:extLst>
       <p:ext uri="{BB962C8B-B14F-4D97-AF65-F5344CB8AC3E}">
-        <p14:creationId xmlns:p14="http://schemas.microsoft.com/office/powerpoint/2010/main" val="3440052730"/>
+        <p14:creationId xmlns:p14="http://schemas.microsoft.com/office/powerpoint/2010/main" val="1177103138"/>
       </p:ext>
     </p:extLst>
   </p:cSld>
@@ -3323,7 +3323,7 @@
       </p:grpSpPr>
       <p:pic>
         <p:nvPicPr>
-          <p:cNvPr id="1444866" name="Picture 2" descr="1410"/>
+          <p:cNvPr id="1445890" name="Picture 2" descr="1411"/>
           <p:cNvPicPr>
             <a:picLocks noChangeAspect="1" noChangeArrowheads="1"/>
           </p:cNvPicPr>
@@ -3345,7 +3345,7 @@
         <p:spPr bwMode="auto">
           <a:xfrm>
             <a:off x="1524000" y="0"/>
-            <a:ext cx="9144000" cy="6021388"/>
+            <a:ext cx="9144000" cy="6858000"/>
           </a:xfrm>
           <a:prstGeom prst="rect">
             <a:avLst/>
